--- a/day1-NASA_TFX_28_11_22_monday.pptx
+++ b/day1-NASA_TFX_28_11_22_monday.pptx
@@ -218,7 +218,7 @@
           <a:p>
             <a:fld id="{D0B5D01A-AEAC-4C49-A245-08CCC3EBE366}" type="datetimeFigureOut">
               <a:rPr lang="en-GB" smtClean="0"/>
-              <a:t>27/11/2022</a:t>
+              <a:t>29/11/2022</a:t>
             </a:fld>
             <a:endParaRPr lang="en-GB"/>
           </a:p>
@@ -444,7 +444,7 @@
           <a:p>
             <a:fld id="{9BA572B9-2EDD-4B7D-BA6D-948D2CD384F3}" type="datetimeFigureOut">
               <a:rPr lang="en-GB" smtClean="0"/>
-              <a:t>27/11/2022</a:t>
+              <a:t>29/11/2022</a:t>
             </a:fld>
             <a:endParaRPr lang="en-GB"/>
           </a:p>
@@ -34572,7 +34572,7 @@
         </p:blipFill>
         <p:spPr>
           <a:xfrm>
-            <a:off x="6125020" y="2262516"/>
+            <a:off x="462221" y="2071965"/>
             <a:ext cx="5814568" cy="3284154"/>
           </a:xfrm>
           <a:prstGeom prst="rect">
